--- a/Figure-4-6/Figure46/Figure46_fullslide.pptx
+++ b/Figure-4-6/Figure46/Figure46_fullslide.pptx
@@ -705,6 +705,300 @@
             <a:r>
               <a:rPr/>
               <a:t>2020-21</a:t>
+            </a:r>
+          </a:p>
+          <a:p>
+            <a:pPr lvl="0" marL="0" indent="0">
+              <a:buNone/>
+            </a:pPr>
+          </a:p>
+          <a:p>
+            <a:pPr lvl="0" marL="0" indent="0">
+              <a:buNone/>
+            </a:pPr>
+            <a:r>
+              <a:rPr/>
+              <a:t>Notes:</a:t>
+            </a:r>
+            <a:r>
+              <a:rPr/>
+              <a:t> </a:t>
+            </a:r>
+            <a:r>
+              <a:rPr/>
+              <a:t>Projections</a:t>
+            </a:r>
+            <a:r>
+              <a:rPr/>
+              <a:t> </a:t>
+            </a:r>
+            <a:r>
+              <a:rPr/>
+              <a:t>to</a:t>
+            </a:r>
+            <a:r>
+              <a:rPr/>
+              <a:t> </a:t>
+            </a:r>
+            <a:r>
+              <a:rPr/>
+              <a:t>2020-21</a:t>
+            </a:r>
+            <a:r>
+              <a:rPr/>
+              <a:t> </a:t>
+            </a:r>
+            <a:r>
+              <a:rPr/>
+              <a:t>assume</a:t>
+            </a:r>
+            <a:r>
+              <a:rPr/>
+              <a:t> </a:t>
+            </a:r>
+            <a:r>
+              <a:rPr/>
+              <a:t>2%</a:t>
+            </a:r>
+            <a:r>
+              <a:rPr/>
+              <a:t> </a:t>
+            </a:r>
+            <a:r>
+              <a:rPr/>
+              <a:t>wage</a:t>
+            </a:r>
+            <a:r>
+              <a:rPr/>
+              <a:t> </a:t>
+            </a:r>
+            <a:r>
+              <a:rPr/>
+              <a:t>growth</a:t>
+            </a:r>
+            <a:r>
+              <a:rPr/>
+              <a:t> </a:t>
+            </a:r>
+            <a:r>
+              <a:rPr/>
+              <a:t>and</a:t>
+            </a:r>
+            <a:r>
+              <a:rPr/>
+              <a:t> </a:t>
+            </a:r>
+            <a:r>
+              <a:rPr/>
+              <a:t>0%</a:t>
+            </a:r>
+            <a:r>
+              <a:rPr/>
+              <a:t> </a:t>
+            </a:r>
+            <a:r>
+              <a:rPr/>
+              <a:t>growth</a:t>
+            </a:r>
+            <a:r>
+              <a:rPr/>
+              <a:t> </a:t>
+            </a:r>
+            <a:r>
+              <a:rPr/>
+              <a:t>in</a:t>
+            </a:r>
+            <a:r>
+              <a:rPr/>
+              <a:t> </a:t>
+            </a:r>
+            <a:r>
+              <a:rPr/>
+              <a:t>the</a:t>
+            </a:r>
+            <a:r>
+              <a:rPr/>
+              <a:t> </a:t>
+            </a:r>
+            <a:r>
+              <a:rPr/>
+              <a:t>number</a:t>
+            </a:r>
+            <a:r>
+              <a:rPr/>
+              <a:t> </a:t>
+            </a:r>
+            <a:r>
+              <a:rPr/>
+              <a:t>of</a:t>
+            </a:r>
+            <a:r>
+              <a:rPr/>
+              <a:t> </a:t>
+            </a:r>
+            <a:r>
+              <a:rPr/>
+              <a:t>taxfilers</a:t>
+            </a:r>
+            <a:r>
+              <a:rPr/>
+              <a:t> </a:t>
+            </a:r>
+            <a:r>
+              <a:rPr/>
+              <a:t>from</a:t>
+            </a:r>
+            <a:r>
+              <a:rPr/>
+              <a:t> </a:t>
+            </a:r>
+            <a:r>
+              <a:rPr/>
+              <a:t>2019-20</a:t>
+            </a:r>
+            <a:r>
+              <a:rPr/>
+              <a:t> </a:t>
+            </a:r>
+            <a:r>
+              <a:rPr/>
+              <a:t>to</a:t>
+            </a:r>
+            <a:r>
+              <a:rPr/>
+              <a:t> </a:t>
+            </a:r>
+            <a:r>
+              <a:rPr/>
+              <a:t>2020-21.</a:t>
+            </a:r>
+            <a:r>
+              <a:rPr/>
+              <a:t> </a:t>
+            </a:r>
+            <a:r>
+              <a:rPr/>
+              <a:t>Non-voluntary</a:t>
+            </a:r>
+            <a:r>
+              <a:rPr/>
+              <a:t> </a:t>
+            </a:r>
+            <a:r>
+              <a:rPr/>
+              <a:t>component</a:t>
+            </a:r>
+            <a:r>
+              <a:rPr/>
+              <a:t> </a:t>
+            </a:r>
+            <a:r>
+              <a:rPr/>
+              <a:t>means</a:t>
+            </a:r>
+            <a:r>
+              <a:rPr/>
+              <a:t> </a:t>
+            </a:r>
+            <a:r>
+              <a:rPr/>
+              <a:t>employer</a:t>
+            </a:r>
+            <a:r>
+              <a:rPr/>
+              <a:t> </a:t>
+            </a:r>
+            <a:r>
+              <a:rPr/>
+              <a:t>contributions</a:t>
+            </a:r>
+            <a:r>
+              <a:rPr/>
+              <a:t> </a:t>
+            </a:r>
+            <a:r>
+              <a:rPr/>
+              <a:t>less</a:t>
+            </a:r>
+            <a:r>
+              <a:rPr/>
+              <a:t> </a:t>
+            </a:r>
+            <a:r>
+              <a:rPr/>
+              <a:t>reportable</a:t>
+            </a:r>
+            <a:r>
+              <a:rPr/>
+              <a:t> </a:t>
+            </a:r>
+            <a:r>
+              <a:rPr/>
+              <a:t>employer</a:t>
+            </a:r>
+            <a:r>
+              <a:rPr/>
+              <a:t> </a:t>
+            </a:r>
+            <a:r>
+              <a:rPr/>
+              <a:t>super</a:t>
+            </a:r>
+            <a:r>
+              <a:rPr/>
+              <a:t> </a:t>
+            </a:r>
+            <a:r>
+              <a:rPr/>
+              <a:t>contributions.</a:t>
+            </a:r>
+            <a:r>
+              <a:rPr/>
+              <a:t> </a:t>
+            </a:r>
+            <a:r>
+              <a:rPr/>
+              <a:t>Source:</a:t>
+            </a:r>
+            <a:r>
+              <a:rPr/>
+              <a:t> </a:t>
+            </a:r>
+            <a:r>
+              <a:rPr/>
+              <a:t>ATO</a:t>
+            </a:r>
+            <a:r>
+              <a:rPr/>
+              <a:t> </a:t>
+            </a:r>
+            <a:r>
+              <a:rPr/>
+              <a:t>2017-18</a:t>
+            </a:r>
+            <a:r>
+              <a:rPr/>
+              <a:t> </a:t>
+            </a:r>
+            <a:r>
+              <a:rPr/>
+              <a:t>2%</a:t>
+            </a:r>
+            <a:r>
+              <a:rPr/>
+              <a:t> </a:t>
+            </a:r>
+            <a:r>
+              <a:rPr/>
+              <a:t>sample</a:t>
+            </a:r>
+            <a:r>
+              <a:rPr/>
+              <a:t> </a:t>
+            </a:r>
+            <a:r>
+              <a:rPr/>
+              <a:t>file</a:t>
             </a:r>
           </a:p>
           <a:p>
@@ -4202,8 +4496,8 @@
           </p:nvSpPr>
           <p:spPr>
             <a:xfrm>
-              <a:off x="638590" y="1371747"/>
-              <a:ext cx="7992000" cy="5455914"/>
+              <a:off x="8630590" y="1371747"/>
+              <a:ext cx="0" cy="5455914"/>
             </a:xfrm>
             <a:prstGeom prst="rect">
               <a:avLst/>
@@ -4229,7 +4523,7 @@
           <p:spPr>
             <a:xfrm>
               <a:off x="1569235" y="1857129"/>
-              <a:ext cx="3384373" cy="4369332"/>
+              <a:ext cx="3384373" cy="3787979"/>
             </a:xfrm>
             <a:prstGeom prst="rect">
               <a:avLst/>
@@ -4254,7 +4548,7 @@
           </p:nvSpPr>
           <p:spPr>
             <a:xfrm>
-              <a:off x="1569235" y="6226462"/>
+              <a:off x="1569235" y="5645109"/>
               <a:ext cx="3384373" cy="0"/>
             </a:xfrm>
             <a:custGeom>
@@ -4297,7 +4591,7 @@
           </p:nvSpPr>
           <p:spPr>
             <a:xfrm>
-              <a:off x="1569235" y="5139627"/>
+              <a:off x="1569235" y="4702881"/>
               <a:ext cx="3384373" cy="0"/>
             </a:xfrm>
             <a:custGeom>
@@ -4340,7 +4634,7 @@
           </p:nvSpPr>
           <p:spPr>
             <a:xfrm>
-              <a:off x="1569235" y="4052793"/>
+              <a:off x="1569235" y="3760653"/>
               <a:ext cx="3384373" cy="0"/>
             </a:xfrm>
             <a:custGeom>
@@ -4383,7 +4677,7 @@
           </p:nvSpPr>
           <p:spPr>
             <a:xfrm>
-              <a:off x="1569235" y="2965958"/>
+              <a:off x="1569235" y="2818425"/>
               <a:ext cx="3384373" cy="0"/>
             </a:xfrm>
             <a:custGeom>
@@ -4426,7 +4720,7 @@
           </p:nvSpPr>
           <p:spPr>
             <a:xfrm>
-              <a:off x="1569235" y="1879123"/>
+              <a:off x="1569235" y="1876197"/>
               <a:ext cx="3384373" cy="0"/>
             </a:xfrm>
             <a:custGeom>
@@ -4469,8 +4763,8 @@
           </p:nvSpPr>
           <p:spPr>
             <a:xfrm>
-              <a:off x="1619005" y="6196079"/>
-              <a:ext cx="298621" cy="14066"/>
+              <a:off x="1619005" y="5618769"/>
+              <a:ext cx="298621" cy="12194"/>
             </a:xfrm>
             <a:prstGeom prst="rect">
               <a:avLst/>
@@ -4504,8 +4798,8 @@
           </p:nvSpPr>
           <p:spPr>
             <a:xfrm>
-              <a:off x="1619005" y="6210145"/>
-              <a:ext cx="298621" cy="16316"/>
+              <a:off x="1619005" y="5630964"/>
+              <a:ext cx="298621" cy="14145"/>
             </a:xfrm>
             <a:prstGeom prst="rect">
               <a:avLst/>
@@ -4539,8 +4833,8 @@
           </p:nvSpPr>
           <p:spPr>
             <a:xfrm>
-              <a:off x="1950806" y="6186514"/>
-              <a:ext cx="298621" cy="7314"/>
+              <a:off x="1950806" y="5610477"/>
+              <a:ext cx="298621" cy="6341"/>
             </a:xfrm>
             <a:prstGeom prst="rect">
               <a:avLst/>
@@ -4574,8 +4868,8 @@
           </p:nvSpPr>
           <p:spPr>
             <a:xfrm>
-              <a:off x="1950806" y="6193829"/>
-              <a:ext cx="298621" cy="32633"/>
+              <a:off x="1950806" y="5616818"/>
+              <a:ext cx="298621" cy="28291"/>
             </a:xfrm>
             <a:prstGeom prst="rect">
               <a:avLst/>
@@ -4609,8 +4903,8 @@
           </p:nvSpPr>
           <p:spPr>
             <a:xfrm>
-              <a:off x="2282608" y="6162040"/>
-              <a:ext cx="298621" cy="12096"/>
+              <a:off x="2282608" y="5589259"/>
+              <a:ext cx="298621" cy="10487"/>
             </a:xfrm>
             <a:prstGeom prst="rect">
               <a:avLst/>
@@ -4644,8 +4938,8 @@
           </p:nvSpPr>
           <p:spPr>
             <a:xfrm>
-              <a:off x="2282608" y="6174136"/>
-              <a:ext cx="298621" cy="52325"/>
+              <a:off x="2282608" y="5599746"/>
+              <a:ext cx="298621" cy="45363"/>
             </a:xfrm>
             <a:prstGeom prst="rect">
               <a:avLst/>
@@ -4679,8 +4973,8 @@
           </p:nvSpPr>
           <p:spPr>
             <a:xfrm>
-              <a:off x="2614409" y="6115622"/>
-              <a:ext cx="298621" cy="21942"/>
+              <a:off x="2614409" y="5549017"/>
+              <a:ext cx="298621" cy="19023"/>
             </a:xfrm>
             <a:prstGeom prst="rect">
               <a:avLst/>
@@ -4714,8 +5008,8 @@
           </p:nvSpPr>
           <p:spPr>
             <a:xfrm>
-              <a:off x="2614409" y="6137565"/>
-              <a:ext cx="298621" cy="88897"/>
+              <a:off x="2614409" y="5568040"/>
+              <a:ext cx="298621" cy="77069"/>
             </a:xfrm>
             <a:prstGeom prst="rect">
               <a:avLst/>
@@ -4749,8 +5043,8 @@
           </p:nvSpPr>
           <p:spPr>
             <a:xfrm>
-              <a:off x="2946210" y="6078206"/>
-              <a:ext cx="298621" cy="31226"/>
+              <a:off x="2946210" y="5516579"/>
+              <a:ext cx="298621" cy="27071"/>
             </a:xfrm>
             <a:prstGeom prst="rect">
               <a:avLst/>
@@ -4784,8 +5078,8 @@
           </p:nvSpPr>
           <p:spPr>
             <a:xfrm>
-              <a:off x="2946210" y="6109433"/>
-              <a:ext cx="298621" cy="117029"/>
+              <a:off x="2946210" y="5543651"/>
+              <a:ext cx="298621" cy="101458"/>
             </a:xfrm>
             <a:prstGeom prst="rect">
               <a:avLst/>
@@ -4819,8 +5113,8 @@
           </p:nvSpPr>
           <p:spPr>
             <a:xfrm>
-              <a:off x="3278012" y="6057388"/>
-              <a:ext cx="298621" cy="39666"/>
+              <a:off x="3278012" y="5498532"/>
+              <a:ext cx="298621" cy="34388"/>
             </a:xfrm>
             <a:prstGeom prst="rect">
               <a:avLst/>
@@ -4854,8 +5148,8 @@
           </p:nvSpPr>
           <p:spPr>
             <a:xfrm>
-              <a:off x="3278012" y="6097055"/>
-              <a:ext cx="298621" cy="129407"/>
+              <a:off x="3278012" y="5532920"/>
+              <a:ext cx="298621" cy="112189"/>
             </a:xfrm>
             <a:prstGeom prst="rect">
               <a:avLst/>
@@ -4889,8 +5183,8 @@
           </p:nvSpPr>
           <p:spPr>
             <a:xfrm>
-              <a:off x="3609813" y="5909695"/>
-              <a:ext cx="298621" cy="85802"/>
+              <a:off x="3609813" y="5370490"/>
+              <a:ext cx="298621" cy="74386"/>
             </a:xfrm>
             <a:prstGeom prst="rect">
               <a:avLst/>
@@ -4924,8 +5218,8 @@
           </p:nvSpPr>
           <p:spPr>
             <a:xfrm>
-              <a:off x="3609813" y="5995498"/>
-              <a:ext cx="298621" cy="230963"/>
+              <a:off x="3609813" y="5444876"/>
+              <a:ext cx="298621" cy="200233"/>
             </a:xfrm>
             <a:prstGeom prst="rect">
               <a:avLst/>
@@ -4959,8 +5253,8 @@
           </p:nvSpPr>
           <p:spPr>
             <a:xfrm>
-              <a:off x="3941614" y="5578019"/>
-              <a:ext cx="298621" cy="279350"/>
+              <a:off x="3941614" y="5082944"/>
+              <a:ext cx="298621" cy="242182"/>
             </a:xfrm>
             <a:prstGeom prst="rect">
               <a:avLst/>
@@ -4994,8 +5288,8 @@
           </p:nvSpPr>
           <p:spPr>
             <a:xfrm>
-              <a:off x="3941614" y="5857370"/>
-              <a:ext cx="298621" cy="369092"/>
+              <a:off x="3941614" y="5325126"/>
+              <a:ext cx="298621" cy="319983"/>
             </a:xfrm>
             <a:prstGeom prst="rect">
               <a:avLst/>
@@ -5029,8 +5323,8 @@
           </p:nvSpPr>
           <p:spPr>
             <a:xfrm>
-              <a:off x="4273416" y="4500281"/>
-              <a:ext cx="298621" cy="1290134"/>
+              <a:off x="4273416" y="4148602"/>
+              <a:ext cx="298621" cy="1118478"/>
             </a:xfrm>
             <a:prstGeom prst="rect">
               <a:avLst/>
@@ -5064,8 +5358,8 @@
           </p:nvSpPr>
           <p:spPr>
             <a:xfrm>
-              <a:off x="4273416" y="5790416"/>
-              <a:ext cx="298621" cy="436046"/>
+              <a:off x="4273416" y="5267080"/>
+              <a:ext cx="298621" cy="378029"/>
             </a:xfrm>
             <a:prstGeom prst="rect">
               <a:avLst/>
@@ -5099,8 +5393,8 @@
           </p:nvSpPr>
           <p:spPr>
             <a:xfrm>
-              <a:off x="4605217" y="1921701"/>
-              <a:ext cx="298621" cy="3862525"/>
+              <a:off x="4605217" y="1913109"/>
+              <a:ext cx="298621" cy="3348605"/>
             </a:xfrm>
             <a:prstGeom prst="rect">
               <a:avLst/>
@@ -5134,8 +5428,8 @@
           </p:nvSpPr>
           <p:spPr>
             <a:xfrm>
-              <a:off x="4605217" y="5784227"/>
-              <a:ext cx="298621" cy="442235"/>
+              <a:off x="4605217" y="5261715"/>
+              <a:ext cx="298621" cy="383394"/>
             </a:xfrm>
             <a:prstGeom prst="rect">
               <a:avLst/>
@@ -5170,7 +5464,7 @@
           <p:spPr>
             <a:xfrm>
               <a:off x="5136488" y="1857129"/>
-              <a:ext cx="3384373" cy="4369332"/>
+              <a:ext cx="3384373" cy="3787979"/>
             </a:xfrm>
             <a:prstGeom prst="rect">
               <a:avLst/>
@@ -5195,7 +5489,7 @@
           </p:nvSpPr>
           <p:spPr>
             <a:xfrm>
-              <a:off x="5136488" y="6226462"/>
+              <a:off x="5136488" y="5645109"/>
               <a:ext cx="3384373" cy="0"/>
             </a:xfrm>
             <a:custGeom>
@@ -5238,7 +5532,7 @@
           </p:nvSpPr>
           <p:spPr>
             <a:xfrm>
-              <a:off x="5136488" y="5139627"/>
+              <a:off x="5136488" y="4702881"/>
               <a:ext cx="3384373" cy="0"/>
             </a:xfrm>
             <a:custGeom>
@@ -5281,7 +5575,7 @@
           </p:nvSpPr>
           <p:spPr>
             <a:xfrm>
-              <a:off x="5136488" y="4052793"/>
+              <a:off x="5136488" y="3760653"/>
               <a:ext cx="3384373" cy="0"/>
             </a:xfrm>
             <a:custGeom>
@@ -5324,7 +5618,7 @@
           </p:nvSpPr>
           <p:spPr>
             <a:xfrm>
-              <a:off x="5136488" y="2965958"/>
+              <a:off x="5136488" y="2818425"/>
               <a:ext cx="3384373" cy="0"/>
             </a:xfrm>
             <a:custGeom>
@@ -5367,7 +5661,7 @@
           </p:nvSpPr>
           <p:spPr>
             <a:xfrm>
-              <a:off x="5136488" y="1879123"/>
+              <a:off x="5136488" y="1876197"/>
               <a:ext cx="3384373" cy="0"/>
             </a:xfrm>
             <a:custGeom>
@@ -5410,8 +5704,8 @@
           </p:nvSpPr>
           <p:spPr>
             <a:xfrm>
-              <a:off x="5186258" y="6203394"/>
-              <a:ext cx="298621" cy="5907"/>
+              <a:off x="5186258" y="5625110"/>
+              <a:ext cx="298621" cy="5121"/>
             </a:xfrm>
             <a:prstGeom prst="rect">
               <a:avLst/>
@@ -5445,8 +5739,8 @@
           </p:nvSpPr>
           <p:spPr>
             <a:xfrm>
-              <a:off x="5186258" y="6209301"/>
-              <a:ext cx="298621" cy="17160"/>
+              <a:off x="5186258" y="5630232"/>
+              <a:ext cx="298621" cy="14877"/>
             </a:xfrm>
             <a:prstGeom prst="rect">
               <a:avLst/>
@@ -5480,8 +5774,8 @@
           </p:nvSpPr>
           <p:spPr>
             <a:xfrm>
-              <a:off x="5518060" y="6183983"/>
-              <a:ext cx="298621" cy="5345"/>
+              <a:off x="5518060" y="5608282"/>
+              <a:ext cx="298621" cy="4633"/>
             </a:xfrm>
             <a:prstGeom prst="rect">
               <a:avLst/>
@@ -5515,8 +5809,8 @@
           </p:nvSpPr>
           <p:spPr>
             <a:xfrm>
-              <a:off x="5518060" y="6189328"/>
-              <a:ext cx="298621" cy="37134"/>
+              <a:off x="5518060" y="5612916"/>
+              <a:ext cx="298621" cy="32193"/>
             </a:xfrm>
             <a:prstGeom prst="rect">
               <a:avLst/>
@@ -5550,8 +5844,8 @@
           </p:nvSpPr>
           <p:spPr>
             <a:xfrm>
-              <a:off x="5849861" y="6128562"/>
-              <a:ext cx="298621" cy="12940"/>
+              <a:off x="5849861" y="5560236"/>
+              <a:ext cx="298621" cy="11218"/>
             </a:xfrm>
             <a:prstGeom prst="rect">
               <a:avLst/>
@@ -5585,8 +5879,8 @@
           </p:nvSpPr>
           <p:spPr>
             <a:xfrm>
-              <a:off x="5849861" y="6141503"/>
-              <a:ext cx="298621" cy="84958"/>
+              <a:off x="5849861" y="5571455"/>
+              <a:ext cx="298621" cy="73654"/>
             </a:xfrm>
             <a:prstGeom prst="rect">
               <a:avLst/>
@@ -5620,8 +5914,8 @@
           </p:nvSpPr>
           <p:spPr>
             <a:xfrm>
-              <a:off x="6181662" y="6097899"/>
-              <a:ext cx="298621" cy="12940"/>
+              <a:off x="6181662" y="5533652"/>
+              <a:ext cx="298621" cy="11218"/>
             </a:xfrm>
             <a:prstGeom prst="rect">
               <a:avLst/>
@@ -5655,8 +5949,8 @@
           </p:nvSpPr>
           <p:spPr>
             <a:xfrm>
-              <a:off x="6181662" y="6110839"/>
-              <a:ext cx="298621" cy="115622"/>
+              <a:off x="6181662" y="5544871"/>
+              <a:ext cx="298621" cy="100238"/>
             </a:xfrm>
             <a:prstGeom prst="rect">
               <a:avLst/>
@@ -5690,8 +5984,8 @@
           </p:nvSpPr>
           <p:spPr>
             <a:xfrm>
-              <a:off x="6513464" y="6046698"/>
-              <a:ext cx="298621" cy="27850"/>
+              <a:off x="6513464" y="5489264"/>
+              <a:ext cx="298621" cy="24145"/>
             </a:xfrm>
             <a:prstGeom prst="rect">
               <a:avLst/>
@@ -5725,8 +6019,8 @@
           </p:nvSpPr>
           <p:spPr>
             <a:xfrm>
-              <a:off x="6513464" y="6074549"/>
-              <a:ext cx="298621" cy="151912"/>
+              <a:off x="6513464" y="5513409"/>
+              <a:ext cx="298621" cy="131700"/>
             </a:xfrm>
             <a:prstGeom prst="rect">
               <a:avLst/>
@@ -5760,8 +6054,8 @@
           </p:nvSpPr>
           <p:spPr>
             <a:xfrm>
-              <a:off x="6845265" y="5993810"/>
-              <a:ext cx="298621" cy="31789"/>
+              <a:off x="6845265" y="5443413"/>
+              <a:ext cx="298621" cy="27559"/>
             </a:xfrm>
             <a:prstGeom prst="rect">
               <a:avLst/>
@@ -5795,8 +6089,8 @@
           </p:nvSpPr>
           <p:spPr>
             <a:xfrm>
-              <a:off x="6845265" y="6025599"/>
-              <a:ext cx="298621" cy="200862"/>
+              <a:off x="6845265" y="5470972"/>
+              <a:ext cx="298621" cy="174137"/>
             </a:xfrm>
             <a:prstGeom prst="rect">
               <a:avLst/>
@@ -5830,8 +6124,8 @@
           </p:nvSpPr>
           <p:spPr>
             <a:xfrm>
-              <a:off x="7177066" y="5877062"/>
-              <a:ext cx="298621" cy="76237"/>
+              <a:off x="7177066" y="5342198"/>
+              <a:ext cx="298621" cy="66094"/>
             </a:xfrm>
             <a:prstGeom prst="rect">
               <a:avLst/>
@@ -5865,8 +6159,8 @@
           </p:nvSpPr>
           <p:spPr>
             <a:xfrm>
-              <a:off x="7177066" y="5953300"/>
-              <a:ext cx="298621" cy="273161"/>
+              <a:off x="7177066" y="5408292"/>
+              <a:ext cx="298621" cy="236816"/>
             </a:xfrm>
             <a:prstGeom prst="rect">
               <a:avLst/>
@@ -5900,8 +6194,8 @@
           </p:nvSpPr>
           <p:spPr>
             <a:xfrm>
-              <a:off x="7508868" y="5622749"/>
-              <a:ext cx="298621" cy="240810"/>
+              <a:off x="7508868" y="5121722"/>
+              <a:ext cx="298621" cy="208769"/>
             </a:xfrm>
             <a:prstGeom prst="rect">
               <a:avLst/>
@@ -5935,8 +6229,8 @@
           </p:nvSpPr>
           <p:spPr>
             <a:xfrm>
-              <a:off x="7508868" y="5863559"/>
-              <a:ext cx="298621" cy="362902"/>
+              <a:off x="7508868" y="5330492"/>
+              <a:ext cx="298621" cy="314617"/>
             </a:xfrm>
             <a:prstGeom prst="rect">
               <a:avLst/>
@@ -5970,8 +6264,8 @@
           </p:nvSpPr>
           <p:spPr>
             <a:xfrm>
-              <a:off x="7840669" y="5103151"/>
-              <a:ext cx="298621" cy="819766"/>
+              <a:off x="7840669" y="4671258"/>
+              <a:ext cx="298621" cy="710694"/>
             </a:xfrm>
             <a:prstGeom prst="rect">
               <a:avLst/>
@@ -6005,8 +6299,8 @@
           </p:nvSpPr>
           <p:spPr>
             <a:xfrm>
-              <a:off x="7840669" y="5922917"/>
-              <a:ext cx="298621" cy="303544"/>
+              <a:off x="7840669" y="5381952"/>
+              <a:ext cx="298621" cy="263156"/>
             </a:xfrm>
             <a:prstGeom prst="rect">
               <a:avLst/>
@@ -6040,8 +6334,8 @@
           </p:nvSpPr>
           <p:spPr>
             <a:xfrm>
-              <a:off x="8172470" y="4808608"/>
-              <a:ext cx="298621" cy="1158757"/>
+              <a:off x="8172470" y="4415905"/>
+              <a:ext cx="298621" cy="1004581"/>
             </a:xfrm>
             <a:prstGeom prst="rect">
               <a:avLst/>
@@ -6075,8 +6369,8 @@
           </p:nvSpPr>
           <p:spPr>
             <a:xfrm>
-              <a:off x="8172470" y="5967366"/>
-              <a:ext cx="298621" cy="259095"/>
+              <a:off x="8172470" y="5420487"/>
+              <a:ext cx="298621" cy="224622"/>
             </a:xfrm>
             <a:prstGeom prst="rect">
               <a:avLst/>
@@ -6254,7 +6548,7 @@
           </p:nvSpPr>
           <p:spPr>
             <a:xfrm>
-              <a:off x="1569235" y="6226462"/>
+              <a:off x="1569235" y="5645109"/>
               <a:ext cx="3384373" cy="0"/>
             </a:xfrm>
             <a:custGeom>
@@ -6294,7 +6588,7 @@
           </p:nvSpPr>
           <p:spPr>
             <a:xfrm>
-              <a:off x="1768316" y="6226462"/>
+              <a:off x="1768316" y="5645109"/>
               <a:ext cx="0" cy="56936"/>
             </a:xfrm>
             <a:custGeom>
@@ -6334,7 +6628,7 @@
           </p:nvSpPr>
           <p:spPr>
             <a:xfrm>
-              <a:off x="2100117" y="6226462"/>
+              <a:off x="2100117" y="5645109"/>
               <a:ext cx="0" cy="56936"/>
             </a:xfrm>
             <a:custGeom>
@@ -6374,7 +6668,7 @@
           </p:nvSpPr>
           <p:spPr>
             <a:xfrm>
-              <a:off x="2431918" y="6226462"/>
+              <a:off x="2431918" y="5645109"/>
               <a:ext cx="0" cy="56936"/>
             </a:xfrm>
             <a:custGeom>
@@ -6414,7 +6708,7 @@
           </p:nvSpPr>
           <p:spPr>
             <a:xfrm>
-              <a:off x="2763720" y="6226462"/>
+              <a:off x="2763720" y="5645109"/>
               <a:ext cx="0" cy="56936"/>
             </a:xfrm>
             <a:custGeom>
@@ -6454,7 +6748,7 @@
           </p:nvSpPr>
           <p:spPr>
             <a:xfrm>
-              <a:off x="3095521" y="6226462"/>
+              <a:off x="3095521" y="5645109"/>
               <a:ext cx="0" cy="56936"/>
             </a:xfrm>
             <a:custGeom>
@@ -6494,7 +6788,7 @@
           </p:nvSpPr>
           <p:spPr>
             <a:xfrm>
-              <a:off x="3427322" y="6226462"/>
+              <a:off x="3427322" y="5645109"/>
               <a:ext cx="0" cy="56936"/>
             </a:xfrm>
             <a:custGeom>
@@ -6534,7 +6828,7 @@
           </p:nvSpPr>
           <p:spPr>
             <a:xfrm>
-              <a:off x="3759124" y="6226462"/>
+              <a:off x="3759124" y="5645109"/>
               <a:ext cx="0" cy="56936"/>
             </a:xfrm>
             <a:custGeom>
@@ -6574,7 +6868,7 @@
           </p:nvSpPr>
           <p:spPr>
             <a:xfrm>
-              <a:off x="4090925" y="6226462"/>
+              <a:off x="4090925" y="5645109"/>
               <a:ext cx="0" cy="56936"/>
             </a:xfrm>
             <a:custGeom>
@@ -6614,7 +6908,7 @@
           </p:nvSpPr>
           <p:spPr>
             <a:xfrm>
-              <a:off x="4422726" y="6226462"/>
+              <a:off x="4422726" y="5645109"/>
               <a:ext cx="0" cy="56936"/>
             </a:xfrm>
             <a:custGeom>
@@ -6654,7 +6948,7 @@
           </p:nvSpPr>
           <p:spPr>
             <a:xfrm>
-              <a:off x="4754527" y="6226462"/>
+              <a:off x="4754527" y="5645109"/>
               <a:ext cx="0" cy="56936"/>
             </a:xfrm>
             <a:custGeom>
@@ -6694,7 +6988,7 @@
           </p:nvSpPr>
           <p:spPr>
             <a:xfrm>
-              <a:off x="1704748" y="6328278"/>
+              <a:off x="1704748" y="5746925"/>
               <a:ext cx="127136" cy="164306"/>
             </a:xfrm>
             <a:prstGeom prst="rect">
@@ -6740,7 +7034,7 @@
           </p:nvSpPr>
           <p:spPr>
             <a:xfrm>
-              <a:off x="2036549" y="6328278"/>
+              <a:off x="2036549" y="5746925"/>
               <a:ext cx="127136" cy="164306"/>
             </a:xfrm>
             <a:prstGeom prst="rect">
@@ -6786,7 +7080,7 @@
           </p:nvSpPr>
           <p:spPr>
             <a:xfrm>
-              <a:off x="2368350" y="6325376"/>
+              <a:off x="2368350" y="5744023"/>
               <a:ext cx="127136" cy="167208"/>
             </a:xfrm>
             <a:prstGeom prst="rect">
@@ -6832,7 +7126,7 @@
           </p:nvSpPr>
           <p:spPr>
             <a:xfrm>
-              <a:off x="2700151" y="6328948"/>
+              <a:off x="2700151" y="5747595"/>
               <a:ext cx="127136" cy="163636"/>
             </a:xfrm>
             <a:prstGeom prst="rect">
@@ -6878,7 +7172,7 @@
           </p:nvSpPr>
           <p:spPr>
             <a:xfrm>
-              <a:off x="3031953" y="6328389"/>
+              <a:off x="3031953" y="5747037"/>
               <a:ext cx="127136" cy="164194"/>
             </a:xfrm>
             <a:prstGeom prst="rect">
@@ -6924,7 +7218,7 @@
           </p:nvSpPr>
           <p:spPr>
             <a:xfrm>
-              <a:off x="3363754" y="6325487"/>
+              <a:off x="3363754" y="5744135"/>
               <a:ext cx="127136" cy="167096"/>
             </a:xfrm>
             <a:prstGeom prst="rect">
@@ -6970,7 +7264,7 @@
           </p:nvSpPr>
           <p:spPr>
             <a:xfrm>
-              <a:off x="3695555" y="6331068"/>
+              <a:off x="3695555" y="5749716"/>
               <a:ext cx="127136" cy="161515"/>
             </a:xfrm>
             <a:prstGeom prst="rect">
@@ -7016,7 +7310,7 @@
           </p:nvSpPr>
           <p:spPr>
             <a:xfrm>
-              <a:off x="4027357" y="6325487"/>
+              <a:off x="4027357" y="5744135"/>
               <a:ext cx="127136" cy="167096"/>
             </a:xfrm>
             <a:prstGeom prst="rect">
@@ -7062,7 +7356,7 @@
           </p:nvSpPr>
           <p:spPr>
             <a:xfrm>
-              <a:off x="4359158" y="6325487"/>
+              <a:off x="4359158" y="5744135"/>
               <a:ext cx="127136" cy="167096"/>
             </a:xfrm>
             <a:prstGeom prst="rect">
@@ -7108,7 +7402,7 @@
           </p:nvSpPr>
           <p:spPr>
             <a:xfrm>
-              <a:off x="4627391" y="6325487"/>
+              <a:off x="4627391" y="5744135"/>
               <a:ext cx="254272" cy="167096"/>
             </a:xfrm>
             <a:prstGeom prst="rect">
@@ -7154,7 +7448,7 @@
           </p:nvSpPr>
           <p:spPr>
             <a:xfrm>
-              <a:off x="5136488" y="6226462"/>
+              <a:off x="5136488" y="5645109"/>
               <a:ext cx="3384373" cy="0"/>
             </a:xfrm>
             <a:custGeom>
@@ -7194,7 +7488,7 @@
           </p:nvSpPr>
           <p:spPr>
             <a:xfrm>
-              <a:off x="5335569" y="6226462"/>
+              <a:off x="5335569" y="5645109"/>
               <a:ext cx="0" cy="56936"/>
             </a:xfrm>
             <a:custGeom>
@@ -7234,7 +7528,7 @@
           </p:nvSpPr>
           <p:spPr>
             <a:xfrm>
-              <a:off x="5667370" y="6226462"/>
+              <a:off x="5667370" y="5645109"/>
               <a:ext cx="0" cy="56936"/>
             </a:xfrm>
             <a:custGeom>
@@ -7274,7 +7568,7 @@
           </p:nvSpPr>
           <p:spPr>
             <a:xfrm>
-              <a:off x="5999172" y="6226462"/>
+              <a:off x="5999172" y="5645109"/>
               <a:ext cx="0" cy="56936"/>
             </a:xfrm>
             <a:custGeom>
@@ -7314,7 +7608,7 @@
           </p:nvSpPr>
           <p:spPr>
             <a:xfrm>
-              <a:off x="6330973" y="6226462"/>
+              <a:off x="6330973" y="5645109"/>
               <a:ext cx="0" cy="56936"/>
             </a:xfrm>
             <a:custGeom>
@@ -7354,7 +7648,7 @@
           </p:nvSpPr>
           <p:spPr>
             <a:xfrm>
-              <a:off x="6662774" y="6226462"/>
+              <a:off x="6662774" y="5645109"/>
               <a:ext cx="0" cy="56936"/>
             </a:xfrm>
             <a:custGeom>
@@ -7394,7 +7688,7 @@
           </p:nvSpPr>
           <p:spPr>
             <a:xfrm>
-              <a:off x="6994576" y="6226462"/>
+              <a:off x="6994576" y="5645109"/>
               <a:ext cx="0" cy="56936"/>
             </a:xfrm>
             <a:custGeom>
@@ -7434,7 +7728,7 @@
           </p:nvSpPr>
           <p:spPr>
             <a:xfrm>
-              <a:off x="7326377" y="6226462"/>
+              <a:off x="7326377" y="5645109"/>
               <a:ext cx="0" cy="56936"/>
             </a:xfrm>
             <a:custGeom>
@@ -7474,7 +7768,7 @@
           </p:nvSpPr>
           <p:spPr>
             <a:xfrm>
-              <a:off x="7658178" y="6226462"/>
+              <a:off x="7658178" y="5645109"/>
               <a:ext cx="0" cy="56936"/>
             </a:xfrm>
             <a:custGeom>
@@ -7514,7 +7808,7 @@
           </p:nvSpPr>
           <p:spPr>
             <a:xfrm>
-              <a:off x="7989979" y="6226462"/>
+              <a:off x="7989979" y="5645109"/>
               <a:ext cx="0" cy="56936"/>
             </a:xfrm>
             <a:custGeom>
@@ -7554,7 +7848,7 @@
           </p:nvSpPr>
           <p:spPr>
             <a:xfrm>
-              <a:off x="8321781" y="6226462"/>
+              <a:off x="8321781" y="5645109"/>
               <a:ext cx="0" cy="56936"/>
             </a:xfrm>
             <a:custGeom>
@@ -7594,7 +7888,7 @@
           </p:nvSpPr>
           <p:spPr>
             <a:xfrm>
-              <a:off x="5272001" y="6328278"/>
+              <a:off x="5272001" y="5746925"/>
               <a:ext cx="127136" cy="164306"/>
             </a:xfrm>
             <a:prstGeom prst="rect">
@@ -7640,7 +7934,7 @@
           </p:nvSpPr>
           <p:spPr>
             <a:xfrm>
-              <a:off x="5603802" y="6328278"/>
+              <a:off x="5603802" y="5746925"/>
               <a:ext cx="127136" cy="164306"/>
             </a:xfrm>
             <a:prstGeom prst="rect">
@@ -7686,7 +7980,7 @@
           </p:nvSpPr>
           <p:spPr>
             <a:xfrm>
-              <a:off x="5935603" y="6325376"/>
+              <a:off x="5935603" y="5744023"/>
               <a:ext cx="127136" cy="167208"/>
             </a:xfrm>
             <a:prstGeom prst="rect">
@@ -7732,7 +8026,7 @@
           </p:nvSpPr>
           <p:spPr>
             <a:xfrm>
-              <a:off x="6267405" y="6328948"/>
+              <a:off x="6267405" y="5747595"/>
               <a:ext cx="127136" cy="163636"/>
             </a:xfrm>
             <a:prstGeom prst="rect">
@@ -7778,7 +8072,7 @@
           </p:nvSpPr>
           <p:spPr>
             <a:xfrm>
-              <a:off x="6599206" y="6328389"/>
+              <a:off x="6599206" y="5747037"/>
               <a:ext cx="127136" cy="164194"/>
             </a:xfrm>
             <a:prstGeom prst="rect">
@@ -7824,7 +8118,7 @@
           </p:nvSpPr>
           <p:spPr>
             <a:xfrm>
-              <a:off x="6931007" y="6325487"/>
+              <a:off x="6931007" y="5744135"/>
               <a:ext cx="127136" cy="167096"/>
             </a:xfrm>
             <a:prstGeom prst="rect">
@@ -7870,7 +8164,7 @@
           </p:nvSpPr>
           <p:spPr>
             <a:xfrm>
-              <a:off x="7262809" y="6331068"/>
+              <a:off x="7262809" y="5749716"/>
               <a:ext cx="127136" cy="161515"/>
             </a:xfrm>
             <a:prstGeom prst="rect">
@@ -7916,7 +8210,7 @@
           </p:nvSpPr>
           <p:spPr>
             <a:xfrm>
-              <a:off x="7594610" y="6325487"/>
+              <a:off x="7594610" y="5744135"/>
               <a:ext cx="127136" cy="167096"/>
             </a:xfrm>
             <a:prstGeom prst="rect">
@@ -7962,7 +8256,7 @@
           </p:nvSpPr>
           <p:spPr>
             <a:xfrm>
-              <a:off x="7926411" y="6325487"/>
+              <a:off x="7926411" y="5744135"/>
               <a:ext cx="127136" cy="167096"/>
             </a:xfrm>
             <a:prstGeom prst="rect">
@@ -8008,7 +8302,7 @@
           </p:nvSpPr>
           <p:spPr>
             <a:xfrm>
-              <a:off x="8194644" y="6325487"/>
+              <a:off x="8194644" y="5744135"/>
               <a:ext cx="254272" cy="167096"/>
             </a:xfrm>
             <a:prstGeom prst="rect">
@@ -8054,7 +8348,7 @@
           </p:nvSpPr>
           <p:spPr>
             <a:xfrm>
-              <a:off x="1339613" y="6141183"/>
+              <a:off x="1339613" y="5559831"/>
               <a:ext cx="127136" cy="167096"/>
             </a:xfrm>
             <a:prstGeom prst="rect">
@@ -8100,7 +8394,7 @@
           </p:nvSpPr>
           <p:spPr>
             <a:xfrm>
-              <a:off x="640418" y="5024769"/>
+              <a:off x="640418" y="4588023"/>
               <a:ext cx="826330" cy="196676"/>
             </a:xfrm>
             <a:prstGeom prst="rect">
@@ -8146,7 +8440,7 @@
           </p:nvSpPr>
           <p:spPr>
             <a:xfrm>
-              <a:off x="640418" y="3937935"/>
+              <a:off x="640418" y="3645795"/>
               <a:ext cx="826330" cy="196676"/>
             </a:xfrm>
             <a:prstGeom prst="rect">
@@ -8192,7 +8486,7 @@
           </p:nvSpPr>
           <p:spPr>
             <a:xfrm>
-              <a:off x="640418" y="2851100"/>
+              <a:off x="640418" y="2703567"/>
               <a:ext cx="826330" cy="196676"/>
             </a:xfrm>
             <a:prstGeom prst="rect">
@@ -8238,7 +8532,7 @@
           </p:nvSpPr>
           <p:spPr>
             <a:xfrm>
-              <a:off x="640418" y="1764265"/>
+              <a:off x="640418" y="1761339"/>
               <a:ext cx="826330" cy="196676"/>
             </a:xfrm>
             <a:prstGeom prst="rect">
@@ -8284,7 +8578,7 @@
           </p:nvSpPr>
           <p:spPr>
             <a:xfrm>
-              <a:off x="3907797" y="6594950"/>
+              <a:off x="3907797" y="6013598"/>
               <a:ext cx="2274503" cy="166315"/>
             </a:xfrm>
             <a:prstGeom prst="rect">
@@ -8558,6 +8852,144 @@
                   <a:cs typeface="Arial"/>
                 </a:rPr>
                 <a:t>Voluntary only</a:t>
+              </a:r>
+            </a:p>
+          </p:txBody>
+        </p:sp>
+        <p:sp>
+          <p:nvSpPr>
+            <p:cNvPr id="118" name="tx116"/>
+            <p:cNvSpPr/>
+            <p:nvPr/>
+          </p:nvSpPr>
+          <p:spPr>
+            <a:xfrm>
+              <a:off x="640418" y="6389561"/>
+              <a:ext cx="7722340" cy="119067"/>
+            </a:xfrm>
+            <a:prstGeom prst="rect">
+              <a:avLst/>
+            </a:prstGeom>
+            <a:noFill/>
+          </p:spPr>
+          <p:txBody>
+            <a:bodyPr lIns="0" rIns="0" tIns="0" bIns="0" anchorCtr="1" anchor="ctr" wrap="none"/>
+            <a:lstStyle/>
+            <a:p>
+              <a:pPr algn="l" marL="0" marR="0" indent="0">
+                <a:lnSpc>
+                  <a:spcPts val="999"/>
+                </a:lnSpc>
+                <a:spcBef>
+                  <a:spcPts val="0"/>
+                </a:spcBef>
+                <a:spcAft>
+                  <a:spcPts val="0"/>
+                </a:spcAft>
+              </a:pPr>
+              <a:r>
+                <a:rPr sz="999" i="1">
+                  <a:solidFill>
+                    <a:srgbClr val="000000">
+                      <a:alpha val="100000"/>
+                    </a:srgbClr>
+                  </a:solidFill>
+                  <a:latin typeface="Arial"/>
+                  <a:cs typeface="Arial"/>
+                </a:rPr>
+                <a:t>Notes: Projections to 2020-21 assume 2% wage growth and 0% growth in the number of taxfilers from 2019-20 to 2020-21. Non-voluntary</a:t>
+              </a:r>
+            </a:p>
+          </p:txBody>
+        </p:sp>
+        <p:sp>
+          <p:nvSpPr>
+            <p:cNvPr id="119" name="tx117"/>
+            <p:cNvSpPr/>
+            <p:nvPr/>
+          </p:nvSpPr>
+          <p:spPr>
+            <a:xfrm>
+              <a:off x="640418" y="6528133"/>
+              <a:ext cx="4922399" cy="117518"/>
+            </a:xfrm>
+            <a:prstGeom prst="rect">
+              <a:avLst/>
+            </a:prstGeom>
+            <a:noFill/>
+          </p:spPr>
+          <p:txBody>
+            <a:bodyPr lIns="0" rIns="0" tIns="0" bIns="0" anchorCtr="1" anchor="ctr" wrap="none"/>
+            <a:lstStyle/>
+            <a:p>
+              <a:pPr algn="l" marL="0" marR="0" indent="0">
+                <a:lnSpc>
+                  <a:spcPts val="999"/>
+                </a:lnSpc>
+                <a:spcBef>
+                  <a:spcPts val="0"/>
+                </a:spcBef>
+                <a:spcAft>
+                  <a:spcPts val="0"/>
+                </a:spcAft>
+              </a:pPr>
+              <a:r>
+                <a:rPr sz="999" i="1">
+                  <a:solidFill>
+                    <a:srgbClr val="000000">
+                      <a:alpha val="100000"/>
+                    </a:srgbClr>
+                  </a:solidFill>
+                  <a:latin typeface="Arial"/>
+                  <a:cs typeface="Arial"/>
+                </a:rPr>
+                <a:t>component means employer contributions less reportable employer super contributions.</a:t>
+              </a:r>
+            </a:p>
+          </p:txBody>
+        </p:sp>
+        <p:sp>
+          <p:nvSpPr>
+            <p:cNvPr id="120" name="tx118"/>
+            <p:cNvSpPr/>
+            <p:nvPr/>
+          </p:nvSpPr>
+          <p:spPr>
+            <a:xfrm>
+              <a:off x="640418" y="6665094"/>
+              <a:ext cx="2094457" cy="117580"/>
+            </a:xfrm>
+            <a:prstGeom prst="rect">
+              <a:avLst/>
+            </a:prstGeom>
+            <a:noFill/>
+          </p:spPr>
+          <p:txBody>
+            <a:bodyPr lIns="0" rIns="0" tIns="0" bIns="0" anchorCtr="1" anchor="ctr" wrap="none"/>
+            <a:lstStyle/>
+            <a:p>
+              <a:pPr algn="l" marL="0" marR="0" indent="0">
+                <a:lnSpc>
+                  <a:spcPts val="999"/>
+                </a:lnSpc>
+                <a:spcBef>
+                  <a:spcPts val="0"/>
+                </a:spcBef>
+                <a:spcAft>
+                  <a:spcPts val="0"/>
+                </a:spcAft>
+              </a:pPr>
+              <a:r>
+                <a:rPr sz="999" i="1">
+                  <a:solidFill>
+                    <a:srgbClr val="000000">
+                      <a:alpha val="100000"/>
+                    </a:srgbClr>
+                  </a:solidFill>
+                  <a:latin typeface="Arial"/>
+                  <a:cs typeface="Arial"/>
+                </a:rPr>
+                <a:t>Source: ATO 2017-18 2% sample file</a:t>
               </a:r>
             </a:p>
           </p:txBody>
